--- a/PGUG.pptx
+++ b/PGUG.pptx
@@ -109,6 +109,11 @@
       </a:defRPr>
     </a:lvl9pPr>
   </p:defaultTextStyle>
+  <p:extLst>
+    <p:ext uri="{EFAFB233-063F-42B5-8137-9DF3F51BA10A}">
+      <p15:sldGuideLst xmlns:p15="http://schemas.microsoft.com/office/powerpoint/2012/main"/>
+    </p:ext>
+  </p:extLst>
 </p:presentation>
 </file>
 
@@ -261,7 +266,7 @@
           <a:p>
             <a:fld id="{2C00F699-9D82-A048-A9BA-C1270AB657C8}" type="datetimeFigureOut">
               <a:rPr lang="en-DK" smtClean="0"/>
-              <a:t>19/10/2023</a:t>
+              <a:t>23/10/2023</a:t>
             </a:fld>
             <a:endParaRPr lang="en-DK"/>
           </a:p>
@@ -461,7 +466,7 @@
           <a:p>
             <a:fld id="{2C00F699-9D82-A048-A9BA-C1270AB657C8}" type="datetimeFigureOut">
               <a:rPr lang="en-DK" smtClean="0"/>
-              <a:t>19/10/2023</a:t>
+              <a:t>23/10/2023</a:t>
             </a:fld>
             <a:endParaRPr lang="en-DK"/>
           </a:p>
@@ -671,7 +676,7 @@
           <a:p>
             <a:fld id="{2C00F699-9D82-A048-A9BA-C1270AB657C8}" type="datetimeFigureOut">
               <a:rPr lang="en-DK" smtClean="0"/>
-              <a:t>19/10/2023</a:t>
+              <a:t>23/10/2023</a:t>
             </a:fld>
             <a:endParaRPr lang="en-DK"/>
           </a:p>
@@ -871,7 +876,7 @@
           <a:p>
             <a:fld id="{2C00F699-9D82-A048-A9BA-C1270AB657C8}" type="datetimeFigureOut">
               <a:rPr lang="en-DK" smtClean="0"/>
-              <a:t>19/10/2023</a:t>
+              <a:t>23/10/2023</a:t>
             </a:fld>
             <a:endParaRPr lang="en-DK"/>
           </a:p>
@@ -1147,7 +1152,7 @@
           <a:p>
             <a:fld id="{2C00F699-9D82-A048-A9BA-C1270AB657C8}" type="datetimeFigureOut">
               <a:rPr lang="en-DK" smtClean="0"/>
-              <a:t>19/10/2023</a:t>
+              <a:t>23/10/2023</a:t>
             </a:fld>
             <a:endParaRPr lang="en-DK"/>
           </a:p>
@@ -1415,7 +1420,7 @@
           <a:p>
             <a:fld id="{2C00F699-9D82-A048-A9BA-C1270AB657C8}" type="datetimeFigureOut">
               <a:rPr lang="en-DK" smtClean="0"/>
-              <a:t>19/10/2023</a:t>
+              <a:t>23/10/2023</a:t>
             </a:fld>
             <a:endParaRPr lang="en-DK"/>
           </a:p>
@@ -1830,7 +1835,7 @@
           <a:p>
             <a:fld id="{2C00F699-9D82-A048-A9BA-C1270AB657C8}" type="datetimeFigureOut">
               <a:rPr lang="en-DK" smtClean="0"/>
-              <a:t>19/10/2023</a:t>
+              <a:t>23/10/2023</a:t>
             </a:fld>
             <a:endParaRPr lang="en-DK"/>
           </a:p>
@@ -1972,7 +1977,7 @@
           <a:p>
             <a:fld id="{2C00F699-9D82-A048-A9BA-C1270AB657C8}" type="datetimeFigureOut">
               <a:rPr lang="en-DK" smtClean="0"/>
-              <a:t>19/10/2023</a:t>
+              <a:t>23/10/2023</a:t>
             </a:fld>
             <a:endParaRPr lang="en-DK"/>
           </a:p>
@@ -2085,7 +2090,7 @@
           <a:p>
             <a:fld id="{2C00F699-9D82-A048-A9BA-C1270AB657C8}" type="datetimeFigureOut">
               <a:rPr lang="en-DK" smtClean="0"/>
-              <a:t>19/10/2023</a:t>
+              <a:t>23/10/2023</a:t>
             </a:fld>
             <a:endParaRPr lang="en-DK"/>
           </a:p>
@@ -2398,7 +2403,7 @@
           <a:p>
             <a:fld id="{2C00F699-9D82-A048-A9BA-C1270AB657C8}" type="datetimeFigureOut">
               <a:rPr lang="en-DK" smtClean="0"/>
-              <a:t>19/10/2023</a:t>
+              <a:t>23/10/2023</a:t>
             </a:fld>
             <a:endParaRPr lang="en-DK"/>
           </a:p>
@@ -2687,7 +2692,7 @@
           <a:p>
             <a:fld id="{2C00F699-9D82-A048-A9BA-C1270AB657C8}" type="datetimeFigureOut">
               <a:rPr lang="en-DK" smtClean="0"/>
-              <a:t>19/10/2023</a:t>
+              <a:t>23/10/2023</a:t>
             </a:fld>
             <a:endParaRPr lang="en-DK"/>
           </a:p>
@@ -2930,7 +2935,7 @@
           <a:p>
             <a:fld id="{2C00F699-9D82-A048-A9BA-C1270AB657C8}" type="datetimeFigureOut">
               <a:rPr lang="en-DK" smtClean="0"/>
-              <a:t>19/10/2023</a:t>
+              <a:t>23/10/2023</a:t>
             </a:fld>
             <a:endParaRPr lang="en-DK"/>
           </a:p>
@@ -3719,7 +3724,7 @@
           <a:p>
             <a:pPr algn="ctr"/>
             <a:r>
-              <a:rPr lang="en-DK" sz="3200" dirty="0"/>
+              <a:rPr lang="en-DK" sz="3200" b="1" dirty="0"/>
               <a:t>PostgreSQL</a:t>
             </a:r>
           </a:p>
@@ -3739,8 +3744,8 @@
         </p:nvSpPr>
         <p:spPr>
           <a:xfrm>
-            <a:off x="1604225" y="2166592"/>
-            <a:ext cx="3171807" cy="2328493"/>
+            <a:off x="7302310" y="2166591"/>
+            <a:ext cx="4713982" cy="2921775"/>
           </a:xfrm>
           <a:prstGeom prst="rect">
             <a:avLst/>
@@ -3824,6 +3829,23 @@
             <a:r>
               <a:rPr lang="en-DK" b="1" i="1" dirty="0"/>
               <a:t>Select for update nowait</a:t>
+            </a:r>
+          </a:p>
+          <a:p>
+            <a:pPr marL="285750" indent="-285750">
+              <a:buFont typeface="Arial" panose="020B0604020202020204" pitchFamily="34" charset="0"/>
+              <a:buChar char="•"/>
+            </a:pPr>
+            <a:endParaRPr lang="en-DK" b="1" i="1" dirty="0"/>
+          </a:p>
+          <a:p>
+            <a:pPr marL="285750" indent="-285750">
+              <a:buFont typeface="Arial" panose="020B0604020202020204" pitchFamily="34" charset="0"/>
+              <a:buChar char="•"/>
+            </a:pPr>
+            <a:r>
+              <a:rPr lang="en-DK" b="1" i="1" dirty="0"/>
+              <a:t>Lots of features that I wouldn’t be without</a:t>
             </a:r>
           </a:p>
           <a:p>
@@ -3901,7 +3923,7 @@
         </p:nvSpPr>
         <p:spPr>
           <a:xfrm>
-            <a:off x="3574276" y="5519162"/>
+            <a:off x="3681853" y="5766596"/>
             <a:ext cx="4154684" cy="461665"/>
           </a:xfrm>
           <a:prstGeom prst="rect">
@@ -3919,6 +3941,669 @@
               <a:rPr lang="en-DK" sz="2400" b="1" i="1" dirty="0"/>
               <a:t>Is everything Honky Dory then?</a:t>
             </a:r>
+          </a:p>
+        </p:txBody>
+      </p:sp>
+      <p:grpSp>
+        <p:nvGrpSpPr>
+          <p:cNvPr id="21" name="Group 20">
+            <a:extLst>
+              <a:ext uri="{FF2B5EF4-FFF2-40B4-BE49-F238E27FC236}">
+                <a16:creationId xmlns:a16="http://schemas.microsoft.com/office/drawing/2014/main" id="{609CC30D-7E82-65F4-3A0B-3FD38A93303C}"/>
+              </a:ext>
+            </a:extLst>
+          </p:cNvPr>
+          <p:cNvGrpSpPr/>
+          <p:nvPr/>
+        </p:nvGrpSpPr>
+        <p:grpSpPr>
+          <a:xfrm>
+            <a:off x="561755" y="2126785"/>
+            <a:ext cx="4091325" cy="2500922"/>
+            <a:chOff x="4591901" y="1881250"/>
+            <a:chExt cx="4091325" cy="2500922"/>
+          </a:xfrm>
+        </p:grpSpPr>
+        <p:grpSp>
+          <p:nvGrpSpPr>
+            <p:cNvPr id="3" name="Gruppe 1090">
+              <a:extLst>
+                <a:ext uri="{FF2B5EF4-FFF2-40B4-BE49-F238E27FC236}">
+                  <a16:creationId xmlns:a16="http://schemas.microsoft.com/office/drawing/2014/main" id="{6271D42B-3846-F6EE-46A7-99BED4A03E85}"/>
+                </a:ext>
+              </a:extLst>
+            </p:cNvPr>
+            <p:cNvGrpSpPr/>
+            <p:nvPr/>
+          </p:nvGrpSpPr>
+          <p:grpSpPr>
+            <a:xfrm>
+              <a:off x="4591901" y="1881250"/>
+              <a:ext cx="4091325" cy="2500922"/>
+              <a:chOff x="4609718" y="988746"/>
+              <a:chExt cx="4091325" cy="2500922"/>
+            </a:xfrm>
+          </p:grpSpPr>
+          <p:pic>
+            <p:nvPicPr>
+              <p:cNvPr id="5" name="Grafik 9" descr="Computer kontur">
+                <a:extLst>
+                  <a:ext uri="{FF2B5EF4-FFF2-40B4-BE49-F238E27FC236}">
+                    <a16:creationId xmlns:a16="http://schemas.microsoft.com/office/drawing/2014/main" id="{B816291D-1EFA-5E01-6448-FBB382A22766}"/>
+                  </a:ext>
+                </a:extLst>
+              </p:cNvPr>
+              <p:cNvPicPr>
+                <a:picLocks noChangeAspect="1"/>
+              </p:cNvPicPr>
+              <p:nvPr/>
+            </p:nvPicPr>
+            <p:blipFill rotWithShape="1">
+              <a:blip r:embed="rId2">
+                <a:extLst>
+                  <a:ext uri="{96DAC541-7B7A-43D3-8B79-37D633B846F1}">
+                    <asvg:svgBlip xmlns:asvg="http://schemas.microsoft.com/office/drawing/2016/SVG/main" r:embed="rId3"/>
+                  </a:ext>
+                </a:extLst>
+              </a:blip>
+              <a:srcRect l="65556"/>
+              <a:stretch/>
+            </p:blipFill>
+            <p:spPr>
+              <a:xfrm>
+                <a:off x="5175648" y="1880143"/>
+                <a:ext cx="554376" cy="1609525"/>
+              </a:xfrm>
+              <a:prstGeom prst="rect">
+                <a:avLst/>
+              </a:prstGeom>
+            </p:spPr>
+          </p:pic>
+          <p:pic>
+            <p:nvPicPr>
+              <p:cNvPr id="6" name="Grafik 35" descr="Computer kontur">
+                <a:extLst>
+                  <a:ext uri="{FF2B5EF4-FFF2-40B4-BE49-F238E27FC236}">
+                    <a16:creationId xmlns:a16="http://schemas.microsoft.com/office/drawing/2014/main" id="{D6503EF4-585B-4E97-0A48-DF9C56809799}"/>
+                  </a:ext>
+                </a:extLst>
+              </p:cNvPr>
+              <p:cNvPicPr>
+                <a:picLocks noChangeAspect="1"/>
+              </p:cNvPicPr>
+              <p:nvPr/>
+            </p:nvPicPr>
+            <p:blipFill rotWithShape="1">
+              <a:blip r:embed="rId2">
+                <a:extLst>
+                  <a:ext uri="{96DAC541-7B7A-43D3-8B79-37D633B846F1}">
+                    <asvg:svgBlip xmlns:asvg="http://schemas.microsoft.com/office/drawing/2016/SVG/main" r:embed="rId3"/>
+                  </a:ext>
+                </a:extLst>
+              </a:blip>
+              <a:srcRect l="65556"/>
+              <a:stretch/>
+            </p:blipFill>
+            <p:spPr>
+              <a:xfrm>
+                <a:off x="6273811" y="1880143"/>
+                <a:ext cx="554376" cy="1609525"/>
+              </a:xfrm>
+              <a:prstGeom prst="rect">
+                <a:avLst/>
+              </a:prstGeom>
+            </p:spPr>
+          </p:pic>
+          <p:pic>
+            <p:nvPicPr>
+              <p:cNvPr id="8" name="Grafik 36" descr="Computer kontur">
+                <a:extLst>
+                  <a:ext uri="{FF2B5EF4-FFF2-40B4-BE49-F238E27FC236}">
+                    <a16:creationId xmlns:a16="http://schemas.microsoft.com/office/drawing/2014/main" id="{67DECB57-0050-9870-44A9-A5ECD10B6D97}"/>
+                  </a:ext>
+                </a:extLst>
+              </p:cNvPr>
+              <p:cNvPicPr>
+                <a:picLocks noChangeAspect="1"/>
+              </p:cNvPicPr>
+              <p:nvPr/>
+            </p:nvPicPr>
+            <p:blipFill rotWithShape="1">
+              <a:blip r:embed="rId2">
+                <a:extLst>
+                  <a:ext uri="{96DAC541-7B7A-43D3-8B79-37D633B846F1}">
+                    <asvg:svgBlip xmlns:asvg="http://schemas.microsoft.com/office/drawing/2016/SVG/main" r:embed="rId3"/>
+                  </a:ext>
+                </a:extLst>
+              </a:blip>
+              <a:srcRect l="65556"/>
+              <a:stretch/>
+            </p:blipFill>
+            <p:spPr>
+              <a:xfrm>
+                <a:off x="7371974" y="1880143"/>
+                <a:ext cx="554376" cy="1609525"/>
+              </a:xfrm>
+              <a:prstGeom prst="rect">
+                <a:avLst/>
+              </a:prstGeom>
+            </p:spPr>
+          </p:pic>
+          <p:grpSp>
+            <p:nvGrpSpPr>
+              <p:cNvPr id="9" name="Gruppe 1089">
+                <a:extLst>
+                  <a:ext uri="{FF2B5EF4-FFF2-40B4-BE49-F238E27FC236}">
+                    <a16:creationId xmlns:a16="http://schemas.microsoft.com/office/drawing/2014/main" id="{BBA043CB-265B-FC1F-0DBA-79CBA367355E}"/>
+                  </a:ext>
+                </a:extLst>
+              </p:cNvPr>
+              <p:cNvGrpSpPr/>
+              <p:nvPr/>
+            </p:nvGrpSpPr>
+            <p:grpSpPr>
+              <a:xfrm>
+                <a:off x="4609718" y="988746"/>
+                <a:ext cx="4091325" cy="2343988"/>
+                <a:chOff x="4609718" y="988746"/>
+                <a:chExt cx="4091325" cy="2343988"/>
+              </a:xfrm>
+            </p:grpSpPr>
+            <p:pic>
+              <p:nvPicPr>
+                <p:cNvPr id="10" name="Grafik 1083">
+                  <a:extLst>
+                    <a:ext uri="{FF2B5EF4-FFF2-40B4-BE49-F238E27FC236}">
+                      <a16:creationId xmlns:a16="http://schemas.microsoft.com/office/drawing/2014/main" id="{8D3F19BD-F710-CC48-9B80-90B923F2FAB7}"/>
+                    </a:ext>
+                  </a:extLst>
+                </p:cNvPr>
+                <p:cNvPicPr>
+                  <a:picLocks noChangeAspect="1"/>
+                </p:cNvPicPr>
+                <p:nvPr/>
+              </p:nvPicPr>
+              <p:blipFill>
+                <a:blip r:embed="rId4">
+                  <a:extLst>
+                    <a:ext uri="{96DAC541-7B7A-43D3-8B79-37D633B846F1}">
+                      <asvg:svgBlip xmlns:asvg="http://schemas.microsoft.com/office/drawing/2016/SVG/main" r:embed="rId5"/>
+                    </a:ext>
+                  </a:extLst>
+                </a:blip>
+                <a:stretch>
+                  <a:fillRect/>
+                </a:stretch>
+              </p:blipFill>
+              <p:spPr>
+                <a:xfrm>
+                  <a:off x="4609718" y="988746"/>
+                  <a:ext cx="4091325" cy="2343988"/>
+                </a:xfrm>
+                <a:prstGeom prst="rect">
+                  <a:avLst/>
+                </a:prstGeom>
+              </p:spPr>
+            </p:pic>
+            <p:sp>
+              <p:nvSpPr>
+                <p:cNvPr id="11" name="Tekstfelt 37">
+                  <a:extLst>
+                    <a:ext uri="{FF2B5EF4-FFF2-40B4-BE49-F238E27FC236}">
+                      <a16:creationId xmlns:a16="http://schemas.microsoft.com/office/drawing/2014/main" id="{8463067F-615A-0574-BDA6-434DC35F4172}"/>
+                    </a:ext>
+                  </a:extLst>
+                </p:cNvPr>
+                <p:cNvSpPr txBox="1"/>
+                <p:nvPr/>
+              </p:nvSpPr>
+              <p:spPr>
+                <a:xfrm>
+                  <a:off x="5205153" y="1979150"/>
+                  <a:ext cx="473966" cy="261610"/>
+                </a:xfrm>
+                <a:prstGeom prst="rect">
+                  <a:avLst/>
+                </a:prstGeom>
+                <a:noFill/>
+              </p:spPr>
+              <p:txBody>
+                <a:bodyPr wrap="square" rtlCol="0">
+                  <a:spAutoFit/>
+                </a:bodyPr>
+                <a:lstStyle/>
+                <a:p>
+                  <a:pPr algn="ctr"/>
+                  <a:r>
+                    <a:rPr lang="da-DK" sz="1100" dirty="0">
+                      <a:latin typeface="+mj-lt"/>
+                    </a:rPr>
+                    <a:t>HR</a:t>
+                  </a:r>
+                </a:p>
+              </p:txBody>
+            </p:sp>
+            <p:sp>
+              <p:nvSpPr>
+                <p:cNvPr id="12" name="Tekstfelt 38">
+                  <a:extLst>
+                    <a:ext uri="{FF2B5EF4-FFF2-40B4-BE49-F238E27FC236}">
+                      <a16:creationId xmlns:a16="http://schemas.microsoft.com/office/drawing/2014/main" id="{A9F0362D-04AE-C3D3-C64E-AC1C500EE1C4}"/>
+                    </a:ext>
+                  </a:extLst>
+                </p:cNvPr>
+                <p:cNvSpPr txBox="1"/>
+                <p:nvPr/>
+              </p:nvSpPr>
+              <p:spPr>
+                <a:xfrm>
+                  <a:off x="6280202" y="1970075"/>
+                  <a:ext cx="518058" cy="261610"/>
+                </a:xfrm>
+                <a:prstGeom prst="rect">
+                  <a:avLst/>
+                </a:prstGeom>
+                <a:noFill/>
+              </p:spPr>
+              <p:txBody>
+                <a:bodyPr wrap="square" rtlCol="0">
+                  <a:spAutoFit/>
+                </a:bodyPr>
+                <a:lstStyle/>
+                <a:p>
+                  <a:pPr algn="ctr"/>
+                  <a:r>
+                    <a:rPr lang="da-DK" sz="1100" dirty="0">
+                      <a:latin typeface="+mj-lt"/>
+                    </a:rPr>
+                    <a:t>CRM</a:t>
+                  </a:r>
+                </a:p>
+              </p:txBody>
+            </p:sp>
+            <p:sp>
+              <p:nvSpPr>
+                <p:cNvPr id="13" name="Tekstfelt 39">
+                  <a:extLst>
+                    <a:ext uri="{FF2B5EF4-FFF2-40B4-BE49-F238E27FC236}">
+                      <a16:creationId xmlns:a16="http://schemas.microsoft.com/office/drawing/2014/main" id="{D29ADADD-952D-334D-6801-92D8FA37B881}"/>
+                    </a:ext>
+                  </a:extLst>
+                </p:cNvPr>
+                <p:cNvSpPr txBox="1"/>
+                <p:nvPr/>
+              </p:nvSpPr>
+              <p:spPr>
+                <a:xfrm>
+                  <a:off x="7379266" y="1970075"/>
+                  <a:ext cx="518058" cy="261610"/>
+                </a:xfrm>
+                <a:prstGeom prst="rect">
+                  <a:avLst/>
+                </a:prstGeom>
+                <a:noFill/>
+              </p:spPr>
+              <p:txBody>
+                <a:bodyPr wrap="square" rtlCol="0">
+                  <a:spAutoFit/>
+                </a:bodyPr>
+                <a:lstStyle/>
+                <a:p>
+                  <a:pPr algn="ctr"/>
+                  <a:r>
+                    <a:rPr lang="da-DK" sz="1100" dirty="0">
+                      <a:latin typeface="+mj-lt"/>
+                    </a:rPr>
+                    <a:t>ERP</a:t>
+                  </a:r>
+                </a:p>
+              </p:txBody>
+            </p:sp>
+          </p:grpSp>
+        </p:grpSp>
+        <p:grpSp>
+          <p:nvGrpSpPr>
+            <p:cNvPr id="15" name="Group 14">
+              <a:extLst>
+                <a:ext uri="{FF2B5EF4-FFF2-40B4-BE49-F238E27FC236}">
+                  <a16:creationId xmlns:a16="http://schemas.microsoft.com/office/drawing/2014/main" id="{420EE21E-8F4B-92C5-FEA1-6EE77393EEF3}"/>
+                </a:ext>
+              </a:extLst>
+            </p:cNvPr>
+            <p:cNvGrpSpPr/>
+            <p:nvPr/>
+          </p:nvGrpSpPr>
+          <p:grpSpPr>
+            <a:xfrm>
+              <a:off x="5567848" y="2104469"/>
+              <a:ext cx="1402002" cy="679762"/>
+              <a:chOff x="1132882" y="3888828"/>
+              <a:chExt cx="1402002" cy="679762"/>
+            </a:xfrm>
+          </p:grpSpPr>
+          <p:sp>
+            <p:nvSpPr>
+              <p:cNvPr id="16" name="Doughnut 15">
+                <a:extLst>
+                  <a:ext uri="{FF2B5EF4-FFF2-40B4-BE49-F238E27FC236}">
+                    <a16:creationId xmlns:a16="http://schemas.microsoft.com/office/drawing/2014/main" id="{863BB9ED-C972-402D-60D2-7AB06F2CDB14}"/>
+                  </a:ext>
+                </a:extLst>
+              </p:cNvPr>
+              <p:cNvSpPr/>
+              <p:nvPr/>
+            </p:nvSpPr>
+            <p:spPr>
+              <a:xfrm>
+                <a:off x="1132882" y="3888828"/>
+                <a:ext cx="1402002" cy="679762"/>
+              </a:xfrm>
+              <a:prstGeom prst="donut">
+                <a:avLst>
+                  <a:gd name="adj" fmla="val 1161"/>
+                </a:avLst>
+              </a:prstGeom>
+              <a:solidFill>
+                <a:schemeClr val="bg1">
+                  <a:lumMod val="50000"/>
+                </a:schemeClr>
+              </a:solidFill>
+              <a:ln>
+                <a:solidFill>
+                  <a:schemeClr val="bg1">
+                    <a:lumMod val="50000"/>
+                  </a:schemeClr>
+                </a:solidFill>
+              </a:ln>
+            </p:spPr>
+            <p:style>
+              <a:lnRef idx="2">
+                <a:schemeClr val="accent1">
+                  <a:shade val="50000"/>
+                </a:schemeClr>
+              </a:lnRef>
+              <a:fillRef idx="1">
+                <a:schemeClr val="accent1"/>
+              </a:fillRef>
+              <a:effectRef idx="0">
+                <a:schemeClr val="accent1"/>
+              </a:effectRef>
+              <a:fontRef idx="minor">
+                <a:schemeClr val="lt1"/>
+              </a:fontRef>
+            </p:style>
+            <p:txBody>
+              <a:bodyPr rtlCol="0" anchor="ctr"/>
+              <a:lstStyle/>
+              <a:p>
+                <a:pPr algn="ctr"/>
+                <a:endParaRPr lang="en-DK">
+                  <a:solidFill>
+                    <a:schemeClr val="tx1"/>
+                  </a:solidFill>
+                </a:endParaRPr>
+              </a:p>
+            </p:txBody>
+          </p:sp>
+          <p:sp>
+            <p:nvSpPr>
+              <p:cNvPr id="17" name="Tekstfelt 60">
+                <a:extLst>
+                  <a:ext uri="{FF2B5EF4-FFF2-40B4-BE49-F238E27FC236}">
+                    <a16:creationId xmlns:a16="http://schemas.microsoft.com/office/drawing/2014/main" id="{ACDC4FC1-FCB6-208A-3011-A3F92B5F6A71}"/>
+                  </a:ext>
+                </a:extLst>
+              </p:cNvPr>
+              <p:cNvSpPr txBox="1"/>
+              <p:nvPr/>
+            </p:nvSpPr>
+            <p:spPr>
+              <a:xfrm>
+                <a:off x="1269200" y="4052809"/>
+                <a:ext cx="1149068" cy="261610"/>
+              </a:xfrm>
+              <a:prstGeom prst="rect">
+                <a:avLst/>
+              </a:prstGeom>
+              <a:noFill/>
+            </p:spPr>
+            <p:txBody>
+              <a:bodyPr wrap="square" rtlCol="0">
+                <a:spAutoFit/>
+              </a:bodyPr>
+              <a:lstStyle/>
+              <a:p>
+                <a:pPr algn="ctr"/>
+                <a:r>
+                  <a:rPr lang="da-DK" sz="1100" b="1" i="1" dirty="0">
+                    <a:latin typeface="+mj-lt"/>
+                  </a:rPr>
+                  <a:t>Integration</a:t>
+                </a:r>
+              </a:p>
+            </p:txBody>
+          </p:sp>
+        </p:grpSp>
+        <p:cxnSp>
+          <p:nvCxnSpPr>
+            <p:cNvPr id="18" name="Straight Arrow Connector 17">
+              <a:extLst>
+                <a:ext uri="{FF2B5EF4-FFF2-40B4-BE49-F238E27FC236}">
+                  <a16:creationId xmlns:a16="http://schemas.microsoft.com/office/drawing/2014/main" id="{DF5E70F9-7AAD-0368-D321-614D188A5389}"/>
+                </a:ext>
+              </a:extLst>
+            </p:cNvPr>
+            <p:cNvCxnSpPr>
+              <a:cxnSpLocks/>
+            </p:cNvCxnSpPr>
+            <p:nvPr/>
+          </p:nvCxnSpPr>
+          <p:spPr>
+            <a:xfrm flipH="1" flipV="1">
+              <a:off x="6179061" y="2821833"/>
+              <a:ext cx="67685" cy="271567"/>
+            </a:xfrm>
+            <a:prstGeom prst="straightConnector1">
+              <a:avLst/>
+            </a:prstGeom>
+            <a:ln w="19050">
+              <a:solidFill>
+                <a:schemeClr val="bg1">
+                  <a:lumMod val="50000"/>
+                </a:schemeClr>
+              </a:solidFill>
+              <a:headEnd type="triangle" w="med" len="med"/>
+              <a:tailEnd type="triangle" w="med" len="med"/>
+            </a:ln>
+          </p:spPr>
+          <p:style>
+            <a:lnRef idx="1">
+              <a:schemeClr val="accent1"/>
+            </a:lnRef>
+            <a:fillRef idx="0">
+              <a:schemeClr val="accent1"/>
+            </a:fillRef>
+            <a:effectRef idx="0">
+              <a:schemeClr val="accent1"/>
+            </a:effectRef>
+            <a:fontRef idx="minor">
+              <a:schemeClr val="tx1"/>
+            </a:fontRef>
+          </p:style>
+        </p:cxnSp>
+        <p:cxnSp>
+          <p:nvCxnSpPr>
+            <p:cNvPr id="19" name="Straight Arrow Connector 18">
+              <a:extLst>
+                <a:ext uri="{FF2B5EF4-FFF2-40B4-BE49-F238E27FC236}">
+                  <a16:creationId xmlns:a16="http://schemas.microsoft.com/office/drawing/2014/main" id="{201B5EA2-F5E5-90D5-015B-8A4ABD588B85}"/>
+                </a:ext>
+              </a:extLst>
+            </p:cNvPr>
+            <p:cNvCxnSpPr>
+              <a:cxnSpLocks/>
+            </p:cNvCxnSpPr>
+            <p:nvPr/>
+          </p:nvCxnSpPr>
+          <p:spPr>
+            <a:xfrm flipV="1">
+              <a:off x="5661302" y="2730397"/>
+              <a:ext cx="156555" cy="271567"/>
+            </a:xfrm>
+            <a:prstGeom prst="straightConnector1">
+              <a:avLst/>
+            </a:prstGeom>
+            <a:ln w="19050">
+              <a:solidFill>
+                <a:schemeClr val="bg1">
+                  <a:lumMod val="50000"/>
+                </a:schemeClr>
+              </a:solidFill>
+              <a:headEnd type="triangle" w="med" len="med"/>
+              <a:tailEnd type="triangle" w="med" len="med"/>
+            </a:ln>
+          </p:spPr>
+          <p:style>
+            <a:lnRef idx="1">
+              <a:schemeClr val="accent1"/>
+            </a:lnRef>
+            <a:fillRef idx="0">
+              <a:schemeClr val="accent1"/>
+            </a:fillRef>
+            <a:effectRef idx="0">
+              <a:schemeClr val="accent1"/>
+            </a:effectRef>
+            <a:fontRef idx="minor">
+              <a:schemeClr val="tx1"/>
+            </a:fontRef>
+          </p:style>
+        </p:cxnSp>
+        <p:cxnSp>
+          <p:nvCxnSpPr>
+            <p:cNvPr id="20" name="Straight Arrow Connector 19">
+              <a:extLst>
+                <a:ext uri="{FF2B5EF4-FFF2-40B4-BE49-F238E27FC236}">
+                  <a16:creationId xmlns:a16="http://schemas.microsoft.com/office/drawing/2014/main" id="{F0AB027A-388F-EBEE-DAFD-AB18190B5818}"/>
+                </a:ext>
+              </a:extLst>
+            </p:cNvPr>
+            <p:cNvCxnSpPr>
+              <a:cxnSpLocks/>
+            </p:cNvCxnSpPr>
+            <p:nvPr/>
+          </p:nvCxnSpPr>
+          <p:spPr>
+            <a:xfrm flipH="1" flipV="1">
+              <a:off x="6959766" y="2616187"/>
+              <a:ext cx="401683" cy="462925"/>
+            </a:xfrm>
+            <a:prstGeom prst="straightConnector1">
+              <a:avLst/>
+            </a:prstGeom>
+            <a:ln w="19050">
+              <a:solidFill>
+                <a:schemeClr val="bg1">
+                  <a:lumMod val="50000"/>
+                </a:schemeClr>
+              </a:solidFill>
+              <a:headEnd type="triangle" w="med" len="med"/>
+              <a:tailEnd type="triangle" w="med" len="med"/>
+            </a:ln>
+          </p:spPr>
+          <p:style>
+            <a:lnRef idx="1">
+              <a:schemeClr val="accent1"/>
+            </a:lnRef>
+            <a:fillRef idx="0">
+              <a:schemeClr val="accent1"/>
+            </a:fillRef>
+            <a:effectRef idx="0">
+              <a:schemeClr val="accent1"/>
+            </a:effectRef>
+            <a:fontRef idx="minor">
+              <a:schemeClr val="tx1"/>
+            </a:fontRef>
+          </p:style>
+        </p:cxnSp>
+      </p:grpSp>
+      <p:sp>
+        <p:nvSpPr>
+          <p:cNvPr id="22" name="TextBox 21">
+            <a:extLst>
+              <a:ext uri="{FF2B5EF4-FFF2-40B4-BE49-F238E27FC236}">
+                <a16:creationId xmlns:a16="http://schemas.microsoft.com/office/drawing/2014/main" id="{4E706D06-DDF5-B9EC-08D3-3E0DE1EE3115}"/>
+              </a:ext>
+            </a:extLst>
+          </p:cNvPr>
+          <p:cNvSpPr txBox="1"/>
+          <p:nvPr/>
+        </p:nvSpPr>
+        <p:spPr>
+          <a:xfrm>
+            <a:off x="1189893" y="4707642"/>
+            <a:ext cx="2670904" cy="646331"/>
+          </a:xfrm>
+          <a:prstGeom prst="rect">
+            <a:avLst/>
+          </a:prstGeom>
+          <a:noFill/>
+        </p:spPr>
+        <p:txBody>
+          <a:bodyPr wrap="square" rtlCol="0">
+            <a:spAutoFit/>
+          </a:bodyPr>
+          <a:lstStyle/>
+          <a:p>
+            <a:pPr algn="ctr"/>
+            <a:r>
+              <a:rPr lang="en-GB" b="1" i="1" dirty="0"/>
+              <a:t>90% of business needs?</a:t>
+            </a:r>
+          </a:p>
+          <a:p>
+            <a:pPr algn="ctr"/>
+            <a:r>
+              <a:rPr lang="en-GB" b="1" i="1" dirty="0"/>
+              <a:t>Competitive edge?</a:t>
+            </a:r>
+            <a:endParaRPr lang="en-DK" b="1" i="1" dirty="0"/>
+          </a:p>
+        </p:txBody>
+      </p:sp>
+      <p:sp>
+        <p:nvSpPr>
+          <p:cNvPr id="23" name="TextBox 22">
+            <a:extLst>
+              <a:ext uri="{FF2B5EF4-FFF2-40B4-BE49-F238E27FC236}">
+                <a16:creationId xmlns:a16="http://schemas.microsoft.com/office/drawing/2014/main" id="{00921A36-4741-B472-2D2B-4902CA4635AF}"/>
+              </a:ext>
+            </a:extLst>
+          </p:cNvPr>
+          <p:cNvSpPr txBox="1"/>
+          <p:nvPr/>
+        </p:nvSpPr>
+        <p:spPr>
+          <a:xfrm>
+            <a:off x="2912913" y="1998511"/>
+            <a:ext cx="1573026" cy="369332"/>
+          </a:xfrm>
+          <a:prstGeom prst="rect">
+            <a:avLst/>
+          </a:prstGeom>
+          <a:noFill/>
+        </p:spPr>
+        <p:txBody>
+          <a:bodyPr wrap="square" rtlCol="0">
+            <a:spAutoFit/>
+          </a:bodyPr>
+          <a:lstStyle/>
+          <a:p>
+            <a:pPr algn="ctr"/>
+            <a:r>
+              <a:rPr lang="en-GB" b="1" i="1" dirty="0"/>
+              <a:t>100% SaaS</a:t>
+            </a:r>
+            <a:endParaRPr lang="en-DK" b="1" i="1" dirty="0"/>
           </a:p>
         </p:txBody>
       </p:sp>
@@ -3966,7 +4651,7 @@
                                           </p:stCondLst>
                                         </p:cTn>
                                         <p:tgtEl>
-                                          <p:spTgt spid="2"/>
+                                          <p:spTgt spid="22"/>
                                         </p:tgtEl>
                                         <p:attrNameLst>
                                           <p:attrName>style.visibility</p:attrName>
@@ -4006,6 +4691,78 @@
                                     <p:set>
                                       <p:cBhvr>
                                         <p:cTn id="10" dur="1" fill="hold">
+                                          <p:stCondLst>
+                                            <p:cond delay="0"/>
+                                          </p:stCondLst>
+                                        </p:cTn>
+                                        <p:tgtEl>
+                                          <p:spTgt spid="2"/>
+                                        </p:tgtEl>
+                                        <p:attrNameLst>
+                                          <p:attrName>style.visibility</p:attrName>
+                                        </p:attrNameLst>
+                                      </p:cBhvr>
+                                      <p:to>
+                                        <p:strVal val="visible"/>
+                                      </p:to>
+                                    </p:set>
+                                  </p:childTnLst>
+                                </p:cTn>
+                              </p:par>
+                              <p:par>
+                                <p:cTn id="11" presetID="1" presetClass="entr" presetSubtype="0" fill="hold" grpId="0" nodeType="withEffect">
+                                  <p:stCondLst>
+                                    <p:cond delay="0"/>
+                                  </p:stCondLst>
+                                  <p:childTnLst>
+                                    <p:set>
+                                      <p:cBhvr>
+                                        <p:cTn id="12" dur="1" fill="hold">
+                                          <p:stCondLst>
+                                            <p:cond delay="0"/>
+                                          </p:stCondLst>
+                                        </p:cTn>
+                                        <p:tgtEl>
+                                          <p:spTgt spid="4"/>
+                                        </p:tgtEl>
+                                        <p:attrNameLst>
+                                          <p:attrName>style.visibility</p:attrName>
+                                        </p:attrNameLst>
+                                      </p:cBhvr>
+                                      <p:to>
+                                        <p:strVal val="visible"/>
+                                      </p:to>
+                                    </p:set>
+                                  </p:childTnLst>
+                                </p:cTn>
+                              </p:par>
+                            </p:childTnLst>
+                          </p:cTn>
+                        </p:par>
+                      </p:childTnLst>
+                    </p:cTn>
+                  </p:par>
+                  <p:par>
+                    <p:cTn id="13" fill="hold">
+                      <p:stCondLst>
+                        <p:cond delay="indefinite"/>
+                      </p:stCondLst>
+                      <p:childTnLst>
+                        <p:par>
+                          <p:cTn id="14" fill="hold">
+                            <p:stCondLst>
+                              <p:cond delay="0"/>
+                            </p:stCondLst>
+                            <p:childTnLst>
+                              <p:par>
+                                <p:cTn id="15" presetID="1" presetClass="entr" presetSubtype="0" fill="hold" grpId="0" nodeType="clickEffect">
+                                  <p:stCondLst>
+                                    <p:cond delay="0"/>
+                                  </p:stCondLst>
+                                  <p:childTnLst>
+                                    <p:set>
+                                      <p:cBhvr>
+                                        <p:cTn id="16" dur="1" fill="hold">
                                           <p:stCondLst>
                                             <p:cond delay="0"/>
                                           </p:stCondLst>
@@ -4053,7 +4810,9 @@
     </p:tnLst>
     <p:bldLst>
       <p:bldP spid="2" grpId="0"/>
+      <p:bldP spid="4" grpId="0"/>
       <p:bldP spid="7" grpId="0"/>
+      <p:bldP spid="22" grpId="0"/>
     </p:bldLst>
   </p:timing>
 </p:sld>
@@ -4104,7 +4863,7 @@
           <a:p>
             <a:pPr algn="ctr"/>
             <a:r>
-              <a:rPr lang="en-DK" sz="3200" dirty="0"/>
+              <a:rPr lang="en-DK" sz="3200" b="1" dirty="0"/>
               <a:t>Frameworks</a:t>
             </a:r>
           </a:p>
@@ -5144,7 +5903,7 @@
           <a:p>
             <a:pPr algn="ctr"/>
             <a:r>
-              <a:rPr lang="en-DK" sz="3200" dirty="0"/>
+              <a:rPr lang="en-DK" sz="3200" b="1" dirty="0"/>
               <a:t>Simple FutureForm</a:t>
             </a:r>
           </a:p>
@@ -7127,7 +7886,7 @@
           <a:p>
             <a:pPr algn="ctr"/>
             <a:r>
-              <a:rPr lang="en-DK" sz="3200" dirty="0"/>
+              <a:rPr lang="en-DK" sz="3200" b="1" dirty="0"/>
               <a:t>FutureForms</a:t>
             </a:r>
           </a:p>
